--- a/materials/slides/ch10.pptx
+++ b/materials/slides/ch10.pptx
@@ -31,20 +31,20 @@
   <p:notesSz cx="6858000" cy="9144000"/>
   <p:embeddedFontLst>
     <p:embeddedFont>
-      <p:font typeface="微软雅黑" panose="020B0503020204020204" pitchFamily="34" charset="-122"/>
+      <p:font typeface="Calibri" panose="020F0502020204030204" pitchFamily="34" charset="0"/>
       <p:regular r:id="rId21"/>
       <p:bold r:id="rId22"/>
-    </p:embeddedFont>
-    <p:embeddedFont>
-      <p:font typeface="Calibri" panose="020F0502020204030204" pitchFamily="34" charset="0"/>
-      <p:regular r:id="rId23"/>
-      <p:bold r:id="rId24"/>
-      <p:italic r:id="rId25"/>
-      <p:boldItalic r:id="rId26"/>
+      <p:italic r:id="rId23"/>
+      <p:boldItalic r:id="rId24"/>
     </p:embeddedFont>
     <p:embeddedFont>
       <p:font typeface="黑体" panose="02010609060101010101" pitchFamily="49" charset="-122"/>
-      <p:regular r:id="rId27"/>
+      <p:regular r:id="rId25"/>
+    </p:embeddedFont>
+    <p:embeddedFont>
+      <p:font typeface="微软雅黑" panose="020B0503020204020204" pitchFamily="34" charset="-122"/>
+      <p:regular r:id="rId26"/>
+      <p:bold r:id="rId27"/>
     </p:embeddedFont>
   </p:embeddedFontLst>
   <p:defaultTextStyle>
@@ -191,10 +191,6 @@
 </p:presentation>
 </file>
 
-<file path=ppt/revisionInfo.xml><?xml version="1.0" encoding="utf-8"?>
-<p1510:revInfo xmlns:a="http://schemas.openxmlformats.org/drawingml/2006/main" xmlns:r="http://schemas.openxmlformats.org/officeDocument/2006/relationships" xmlns:p1510="http://schemas.microsoft.com/office/powerpoint/2015/10/main"/>
-</file>
-
 <file path=ppt/notesMasters/notesMaster1.xml><?xml version="1.0" encoding="utf-8"?>
 <p:notesMaster xmlns:a="http://schemas.openxmlformats.org/drawingml/2006/main" xmlns:r="http://schemas.openxmlformats.org/officeDocument/2006/relationships" xmlns:p="http://schemas.openxmlformats.org/presentationml/2006/main">
   <p:cSld>
@@ -290,7 +286,7 @@
               <a:pPr>
                 <a:defRPr/>
               </a:pPr>
-              <a:t>2018/2/5</a:t>
+              <a:t>2019/7/16</a:t>
             </a:fld>
             <a:endParaRPr lang="zh-CN" altLang="en-US"/>
           </a:p>
@@ -2061,7 +2057,7 @@
           <a:graphicData uri="http://schemas.openxmlformats.org/presentationml/2006/ole">
             <mc:AlternateContent xmlns:mc="http://schemas.openxmlformats.org/markup-compatibility/2006">
               <mc:Choice xmlns:v="urn:schemas-microsoft-com:vml" Requires="v">
-                <p:oleObj spid="_x0000_s50209" r:id="rId4" imgW="7222617" imgH="1138809" progId="">
+                <p:oleObj spid="_x0000_s50210" r:id="rId4" imgW="7222617" imgH="1138809" progId="">
                   <p:embed/>
                 </p:oleObj>
               </mc:Choice>
@@ -2514,7 +2510,7 @@
               <a:pPr>
                 <a:defRPr/>
               </a:pPr>
-              <a:t>2018/2/5</a:t>
+              <a:t>2019/7/16</a:t>
             </a:fld>
             <a:endParaRPr lang="zh-CN" altLang="en-US"/>
           </a:p>
@@ -2719,7 +2715,7 @@
               <a:pPr>
                 <a:defRPr/>
               </a:pPr>
-              <a:t>2018/2/5</a:t>
+              <a:t>2019/7/16</a:t>
             </a:fld>
             <a:endParaRPr lang="zh-CN" altLang="en-US"/>
           </a:p>
@@ -2884,7 +2880,7 @@
           <a:graphicData uri="http://schemas.openxmlformats.org/presentationml/2006/ole">
             <mc:AlternateContent xmlns:mc="http://schemas.openxmlformats.org/markup-compatibility/2006">
               <mc:Choice xmlns:v="urn:schemas-microsoft-com:vml" Requires="v">
-                <p:oleObj spid="_x0000_s55329" r:id="rId4" imgW="7222617" imgH="1138809" progId="">
+                <p:oleObj spid="_x0000_s55330" r:id="rId4" imgW="7222617" imgH="1138809" progId="">
                   <p:embed/>
                 </p:oleObj>
               </mc:Choice>
@@ -3434,7 +3430,7 @@
           <a:graphicData uri="http://schemas.openxmlformats.org/presentationml/2006/ole">
             <mc:AlternateContent xmlns:mc="http://schemas.openxmlformats.org/markup-compatibility/2006">
               <mc:Choice xmlns:v="urn:schemas-microsoft-com:vml" Requires="v">
-                <p:oleObj spid="_x0000_s51233" r:id="rId4" imgW="7222617" imgH="1138809" progId="">
+                <p:oleObj spid="_x0000_s51234" r:id="rId4" imgW="7222617" imgH="1138809" progId="">
                   <p:embed/>
                 </p:oleObj>
               </mc:Choice>
@@ -3973,7 +3969,7 @@
           <a:graphicData uri="http://schemas.openxmlformats.org/presentationml/2006/ole">
             <mc:AlternateContent xmlns:mc="http://schemas.openxmlformats.org/markup-compatibility/2006">
               <mc:Choice xmlns:v="urn:schemas-microsoft-com:vml" Requires="v">
-                <p:oleObj spid="_x0000_s52257" r:id="rId4" imgW="7222617" imgH="1138809" progId="">
+                <p:oleObj spid="_x0000_s52258" r:id="rId4" imgW="7222617" imgH="1138809" progId="">
                   <p:embed/>
                 </p:oleObj>
               </mc:Choice>
@@ -4496,7 +4492,7 @@
           <a:graphicData uri="http://schemas.openxmlformats.org/presentationml/2006/ole">
             <mc:AlternateContent xmlns:mc="http://schemas.openxmlformats.org/markup-compatibility/2006">
               <mc:Choice xmlns:v="urn:schemas-microsoft-com:vml" Requires="v">
-                <p:oleObj spid="_x0000_s53281" r:id="rId4" imgW="7222617" imgH="1138809" progId="">
+                <p:oleObj spid="_x0000_s53282" r:id="rId4" imgW="7222617" imgH="1138809" progId="">
                   <p:embed/>
                 </p:oleObj>
               </mc:Choice>
@@ -5033,7 +5029,7 @@
               <a:pPr>
                 <a:defRPr/>
               </a:pPr>
-              <a:t>2018/2/5</a:t>
+              <a:t>2019/7/16</a:t>
             </a:fld>
             <a:endParaRPr lang="zh-CN" altLang="en-US"/>
           </a:p>
@@ -5479,7 +5475,7 @@
               <a:pPr>
                 <a:defRPr/>
               </a:pPr>
-              <a:t>2018/2/5</a:t>
+              <a:t>2019/7/16</a:t>
             </a:fld>
             <a:endParaRPr lang="zh-CN" altLang="en-US"/>
           </a:p>
@@ -5644,7 +5640,7 @@
           <a:graphicData uri="http://schemas.openxmlformats.org/presentationml/2006/ole">
             <mc:AlternateContent xmlns:mc="http://schemas.openxmlformats.org/markup-compatibility/2006">
               <mc:Choice xmlns:v="urn:schemas-microsoft-com:vml" Requires="v">
-                <p:oleObj spid="_x0000_s54305" r:id="rId4" imgW="7222617" imgH="1138809" progId="">
+                <p:oleObj spid="_x0000_s54306" r:id="rId4" imgW="7222617" imgH="1138809" progId="">
                   <p:embed/>
                 </p:oleObj>
               </mc:Choice>
@@ -6013,7 +6009,7 @@
               <a:pPr>
                 <a:defRPr/>
               </a:pPr>
-              <a:t>2018/2/5</a:t>
+              <a:t>2019/7/16</a:t>
             </a:fld>
             <a:endParaRPr lang="zh-CN" altLang="en-US"/>
           </a:p>
@@ -6135,7 +6131,7 @@
               <a:pPr>
                 <a:defRPr/>
               </a:pPr>
-              <a:t>2018/2/5</a:t>
+              <a:t>2019/7/16</a:t>
             </a:fld>
             <a:endParaRPr lang="zh-CN" altLang="en-US"/>
           </a:p>
@@ -6437,7 +6433,7 @@
               <a:pPr>
                 <a:defRPr/>
               </a:pPr>
-              <a:t>2018/2/5</a:t>
+              <a:t>2019/7/16</a:t>
             </a:fld>
             <a:endParaRPr lang="zh-CN" altLang="en-US"/>
           </a:p>
@@ -6719,7 +6715,7 @@
               <a:pPr>
                 <a:defRPr/>
               </a:pPr>
-              <a:t>2018/2/5</a:t>
+              <a:t>2019/7/16</a:t>
             </a:fld>
             <a:endParaRPr lang="zh-CN" altLang="en-US"/>
           </a:p>
@@ -7066,7 +7062,7 @@
               <a:pPr>
                 <a:defRPr/>
               </a:pPr>
-              <a:t>2018/2/5</a:t>
+              <a:t>2019/7/16</a:t>
             </a:fld>
             <a:endParaRPr lang="zh-CN" altLang="en-US"/>
           </a:p>
@@ -7186,7 +7182,7 @@
           <a:graphicData uri="http://schemas.openxmlformats.org/presentationml/2006/ole">
             <mc:AlternateContent xmlns:mc="http://schemas.openxmlformats.org/markup-compatibility/2006">
               <mc:Choice xmlns:v="urn:schemas-microsoft-com:vml" Requires="v">
-                <p:oleObj spid="_x0000_s1065" r:id="rId16" imgW="7222617" imgH="1138809" progId="">
+                <p:oleObj spid="_x0000_s1066" r:id="rId16" imgW="7222617" imgH="1138809" progId="">
                   <p:embed/>
                 </p:oleObj>
               </mc:Choice>
@@ -10447,7 +10443,11 @@
             </a:pPr>
             <a:r>
               <a:rPr lang="zh-CN" altLang="en-US" dirty="0"/>
-              <a:t>你有喜欢的娱乐明星吗？</a:t>
+              <a:t>你有喜欢的娱乐明星</a:t>
+            </a:r>
+            <a:r>
+              <a:rPr lang="zh-CN" altLang="en-US"/>
+              <a:t>吗？ </a:t>
             </a:r>
             <a:endParaRPr lang="en-US" altLang="zh-CN" dirty="0"/>
           </a:p>
